--- a/images/newlogo.pptx
+++ b/images/newlogo.pptx
@@ -7,10 +7,12 @@
   <p:sldIdLst>
     <p:sldId id="256" r:id="rId2"/>
     <p:sldId id="262" r:id="rId3"/>
-    <p:sldId id="258" r:id="rId4"/>
-    <p:sldId id="257" r:id="rId5"/>
-    <p:sldId id="260" r:id="rId6"/>
-    <p:sldId id="261" r:id="rId7"/>
+    <p:sldId id="263" r:id="rId4"/>
+    <p:sldId id="258" r:id="rId5"/>
+    <p:sldId id="257" r:id="rId6"/>
+    <p:sldId id="260" r:id="rId7"/>
+    <p:sldId id="264" r:id="rId8"/>
+    <p:sldId id="261" r:id="rId9"/>
   </p:sldIdLst>
   <p:sldSz cx="12192000" cy="6858000"/>
   <p:notesSz cx="6858000" cy="9144000"/>
@@ -3759,6 +3761,233 @@
         </p:nvSpPr>
         <p:spPr>
           <a:xfrm>
+            <a:off x="8405331" y="766732"/>
+            <a:ext cx="2951078" cy="5324535"/>
+          </a:xfrm>
+          <a:prstGeom prst="rect">
+            <a:avLst/>
+          </a:prstGeom>
+          <a:noFill/>
+        </p:spPr>
+        <p:txBody>
+          <a:bodyPr wrap="square" numCol="1" rtlCol="0">
+            <a:spAutoFit/>
+          </a:bodyPr>
+          <a:lstStyle/>
+          <a:p>
+            <a:r>
+              <a:rPr lang="en-DE" sz="7200" b="1" dirty="0">
+                <a:latin typeface="Arial" panose="020B0604020202020204" pitchFamily="34" charset="0"/>
+                <a:cs typeface="Arial" panose="020B0604020202020204" pitchFamily="34" charset="0"/>
+              </a:rPr>
+              <a:t>Gaze </a:t>
+            </a:r>
+          </a:p>
+          <a:p>
+            <a:r>
+              <a:rPr lang="en-DE" sz="7200" b="1" dirty="0">
+                <a:latin typeface="Arial" panose="020B0604020202020204" pitchFamily="34" charset="0"/>
+                <a:cs typeface="Arial" panose="020B0604020202020204" pitchFamily="34" charset="0"/>
+              </a:rPr>
+              <a:t>Meets </a:t>
+            </a:r>
+          </a:p>
+          <a:p>
+            <a:r>
+              <a:rPr lang="en-DE" sz="7200" b="1" dirty="0">
+                <a:latin typeface="Arial" panose="020B0604020202020204" pitchFamily="34" charset="0"/>
+                <a:cs typeface="Arial" panose="020B0604020202020204" pitchFamily="34" charset="0"/>
+              </a:rPr>
+              <a:t>ML </a:t>
+            </a:r>
+          </a:p>
+          <a:p>
+            <a:r>
+              <a:rPr lang="en-GB" sz="4000" b="1" dirty="0">
+                <a:solidFill>
+                  <a:srgbClr val="DEB245"/>
+                </a:solidFill>
+                <a:latin typeface="Arial" panose="020B0604020202020204" pitchFamily="34" charset="0"/>
+                <a:cs typeface="Arial" panose="020B0604020202020204" pitchFamily="34" charset="0"/>
+              </a:rPr>
+              <a:t>Workshop</a:t>
+            </a:r>
+            <a:r>
+              <a:rPr lang="en-GB" sz="4000" b="1" dirty="0">
+                <a:solidFill>
+                  <a:srgbClr val="FFC000"/>
+                </a:solidFill>
+                <a:latin typeface="Arial" panose="020B0604020202020204" pitchFamily="34" charset="0"/>
+                <a:cs typeface="Arial" panose="020B0604020202020204" pitchFamily="34" charset="0"/>
+              </a:rPr>
+              <a:t> </a:t>
+            </a:r>
+          </a:p>
+          <a:p>
+            <a:endParaRPr lang="en-DE" sz="6000" b="1" dirty="0">
+              <a:solidFill>
+                <a:srgbClr val="1B4998"/>
+              </a:solidFill>
+              <a:latin typeface="Arial" panose="020B0604020202020204" pitchFamily="34" charset="0"/>
+              <a:cs typeface="Arial" panose="020B0604020202020204" pitchFamily="34" charset="0"/>
+            </a:endParaRPr>
+          </a:p>
+          <a:p>
+            <a:endParaRPr lang="en-GB" sz="2000" dirty="0">
+              <a:solidFill>
+                <a:srgbClr val="1B4998"/>
+              </a:solidFill>
+              <a:latin typeface="Arial" panose="020B0604020202020204" pitchFamily="34" charset="0"/>
+              <a:cs typeface="Arial" panose="020B0604020202020204" pitchFamily="34" charset="0"/>
+            </a:endParaRPr>
+          </a:p>
+        </p:txBody>
+      </p:sp>
+      <p:grpSp>
+        <p:nvGrpSpPr>
+          <p:cNvPr id="3" name="Group 2">
+            <a:extLst>
+              <a:ext uri="{FF2B5EF4-FFF2-40B4-BE49-F238E27FC236}">
+                <a16:creationId xmlns:a16="http://schemas.microsoft.com/office/drawing/2014/main" id="{46C7338D-DA9C-048B-AE64-4341342FE9A6}"/>
+              </a:ext>
+            </a:extLst>
+          </p:cNvPr>
+          <p:cNvGrpSpPr/>
+          <p:nvPr/>
+        </p:nvGrpSpPr>
+        <p:grpSpPr>
+          <a:xfrm>
+            <a:off x="1058238" y="766732"/>
+            <a:ext cx="5404207" cy="5408037"/>
+            <a:chOff x="1058238" y="766732"/>
+            <a:chExt cx="5404207" cy="5408037"/>
+          </a:xfrm>
+        </p:grpSpPr>
+        <p:sp>
+          <p:nvSpPr>
+            <p:cNvPr id="2" name="Rectangle 1">
+              <a:extLst>
+                <a:ext uri="{FF2B5EF4-FFF2-40B4-BE49-F238E27FC236}">
+                  <a16:creationId xmlns:a16="http://schemas.microsoft.com/office/drawing/2014/main" id="{E65C6534-BA97-F9E7-4DB2-92C2C1DD62E2}"/>
+                </a:ext>
+              </a:extLst>
+            </p:cNvPr>
+            <p:cNvSpPr/>
+            <p:nvPr/>
+          </p:nvSpPr>
+          <p:spPr>
+            <a:xfrm>
+              <a:off x="1058238" y="766732"/>
+              <a:ext cx="5404207" cy="5408037"/>
+            </a:xfrm>
+            <a:prstGeom prst="rect">
+              <a:avLst/>
+            </a:prstGeom>
+            <a:noFill/>
+            <a:ln>
+              <a:noFill/>
+            </a:ln>
+          </p:spPr>
+          <p:style>
+            <a:lnRef idx="2">
+              <a:schemeClr val="accent1">
+                <a:shade val="15000"/>
+              </a:schemeClr>
+            </a:lnRef>
+            <a:fillRef idx="1">
+              <a:schemeClr val="accent1"/>
+            </a:fillRef>
+            <a:effectRef idx="0">
+              <a:schemeClr val="accent1"/>
+            </a:effectRef>
+            <a:fontRef idx="minor">
+              <a:schemeClr val="lt1"/>
+            </a:fontRef>
+          </p:style>
+          <p:txBody>
+            <a:bodyPr rtlCol="0" anchor="ctr"/>
+            <a:lstStyle/>
+            <a:p>
+              <a:pPr algn="ctr"/>
+              <a:endParaRPr lang="en-DE"/>
+            </a:p>
+          </p:txBody>
+        </p:sp>
+        <p:pic>
+          <p:nvPicPr>
+            <p:cNvPr id="7" name="Picture 6" descr="A screen shot of a video game&#10;&#10;Description automatically generated">
+              <a:extLst>
+                <a:ext uri="{FF2B5EF4-FFF2-40B4-BE49-F238E27FC236}">
+                  <a16:creationId xmlns:a16="http://schemas.microsoft.com/office/drawing/2014/main" id="{CC9A8CE9-82DB-1AE8-87E4-7AB72EC37001}"/>
+                </a:ext>
+              </a:extLst>
+            </p:cNvPr>
+            <p:cNvPicPr>
+              <a:picLocks noChangeAspect="1"/>
+            </p:cNvPicPr>
+            <p:nvPr/>
+          </p:nvPicPr>
+          <p:blipFill>
+            <a:blip r:embed="rId2"/>
+            <a:stretch>
+              <a:fillRect/>
+            </a:stretch>
+          </p:blipFill>
+          <p:spPr>
+            <a:xfrm>
+              <a:off x="1188591" y="1714499"/>
+              <a:ext cx="5143500" cy="3429000"/>
+            </a:xfrm>
+            <a:prstGeom prst="rect">
+              <a:avLst/>
+            </a:prstGeom>
+          </p:spPr>
+        </p:pic>
+      </p:grpSp>
+    </p:spTree>
+    <p:extLst>
+      <p:ext uri="{BB962C8B-B14F-4D97-AF65-F5344CB8AC3E}">
+        <p14:creationId xmlns:p14="http://schemas.microsoft.com/office/powerpoint/2010/main" val="2067283755"/>
+      </p:ext>
+    </p:extLst>
+  </p:cSld>
+  <p:clrMapOvr>
+    <a:masterClrMapping/>
+  </p:clrMapOvr>
+</p:sld>
+</file>
+
+<file path=ppt/slides/slide4.xml><?xml version="1.0" encoding="utf-8"?>
+<p:sld xmlns:a="http://schemas.openxmlformats.org/drawingml/2006/main" xmlns:r="http://schemas.openxmlformats.org/officeDocument/2006/relationships" xmlns:p="http://schemas.openxmlformats.org/presentationml/2006/main">
+  <p:cSld>
+    <p:spTree>
+      <p:nvGrpSpPr>
+        <p:cNvPr id="1" name=""/>
+        <p:cNvGrpSpPr/>
+        <p:nvPr/>
+      </p:nvGrpSpPr>
+      <p:grpSpPr>
+        <a:xfrm>
+          <a:off x="0" y="0"/>
+          <a:ext cx="0" cy="0"/>
+          <a:chOff x="0" y="0"/>
+          <a:chExt cx="0" cy="0"/>
+        </a:xfrm>
+      </p:grpSpPr>
+      <p:sp>
+        <p:nvSpPr>
+          <p:cNvPr id="4" name="TextBox 3">
+            <a:extLst>
+              <a:ext uri="{FF2B5EF4-FFF2-40B4-BE49-F238E27FC236}">
+                <a16:creationId xmlns:a16="http://schemas.microsoft.com/office/drawing/2014/main" id="{A1084263-D1C4-2EE6-1867-773AD9F057CD}"/>
+              </a:ext>
+            </a:extLst>
+          </p:cNvPr>
+          <p:cNvSpPr txBox="1"/>
+          <p:nvPr/>
+        </p:nvSpPr>
+        <p:spPr>
+          <a:xfrm>
             <a:off x="6255554" y="1442678"/>
             <a:ext cx="2951078" cy="1323439"/>
           </a:xfrm>
@@ -3835,7 +4064,7 @@
 </p:sld>
 </file>
 
-<file path=ppt/slides/slide4.xml><?xml version="1.0" encoding="utf-8"?>
+<file path=ppt/slides/slide5.xml><?xml version="1.0" encoding="utf-8"?>
 <p:sld xmlns:a="http://schemas.openxmlformats.org/drawingml/2006/main" xmlns:r="http://schemas.openxmlformats.org/officeDocument/2006/relationships" xmlns:p="http://schemas.openxmlformats.org/presentationml/2006/main">
   <p:cSld>
     <p:spTree>
@@ -4287,7 +4516,7 @@
 </p:sld>
 </file>
 
-<file path=ppt/slides/slide5.xml><?xml version="1.0" encoding="utf-8"?>
+<file path=ppt/slides/slide6.xml><?xml version="1.0" encoding="utf-8"?>
 <p:sld xmlns:a="http://schemas.openxmlformats.org/drawingml/2006/main" xmlns:r="http://schemas.openxmlformats.org/officeDocument/2006/relationships" xmlns:p="http://schemas.openxmlformats.org/presentationml/2006/main">
   <p:cSld>
     <p:spTree>
@@ -4304,8 +4533,8 @@
           <a:chExt cx="0" cy="0"/>
         </a:xfrm>
       </p:grpSpPr>
-      <mc:AlternateContent xmlns:mc="http://schemas.openxmlformats.org/markup-compatibility/2006">
-        <mc:Choice xmlns:a14="http://schemas.microsoft.com/office/drawing/2010/main" Requires="a14">
+      <mc:AlternateContent xmlns:mc="http://schemas.openxmlformats.org/markup-compatibility/2006" xmlns:a14="http://schemas.microsoft.com/office/drawing/2010/main">
+        <mc:Choice Requires="a14">
           <p:sp>
             <p:nvSpPr>
               <p:cNvPr id="8" name="TextBox 7">
@@ -4458,7 +4687,7 @@
             </p:txBody>
           </p:sp>
         </mc:Choice>
-        <mc:Fallback>
+        <mc:Fallback xmlns="">
           <p:sp>
             <p:nvSpPr>
               <p:cNvPr id="8" name="TextBox 7">
@@ -4702,7 +4931,422 @@
 </p:sld>
 </file>
 
-<file path=ppt/slides/slide6.xml><?xml version="1.0" encoding="utf-8"?>
+<file path=ppt/slides/slide7.xml><?xml version="1.0" encoding="utf-8"?>
+<p:sld xmlns:a="http://schemas.openxmlformats.org/drawingml/2006/main" xmlns:r="http://schemas.openxmlformats.org/officeDocument/2006/relationships" xmlns:p="http://schemas.openxmlformats.org/presentationml/2006/main">
+  <p:cSld>
+    <p:spTree>
+      <p:nvGrpSpPr>
+        <p:cNvPr id="1" name=""/>
+        <p:cNvGrpSpPr/>
+        <p:nvPr/>
+      </p:nvGrpSpPr>
+      <p:grpSpPr>
+        <a:xfrm>
+          <a:off x="0" y="0"/>
+          <a:ext cx="0" cy="0"/>
+          <a:chOff x="0" y="0"/>
+          <a:chExt cx="0" cy="0"/>
+        </a:xfrm>
+      </p:grpSpPr>
+      <mc:AlternateContent xmlns:mc="http://schemas.openxmlformats.org/markup-compatibility/2006">
+        <mc:Choice xmlns:a14="http://schemas.microsoft.com/office/drawing/2010/main" Requires="a14">
+          <p:sp>
+            <p:nvSpPr>
+              <p:cNvPr id="8" name="TextBox 7">
+                <a:extLst>
+                  <a:ext uri="{FF2B5EF4-FFF2-40B4-BE49-F238E27FC236}">
+                    <a16:creationId xmlns:a16="http://schemas.microsoft.com/office/drawing/2014/main" id="{EDAC2AC4-7594-9D6A-BD84-3955741D2213}"/>
+                  </a:ext>
+                </a:extLst>
+              </p:cNvPr>
+              <p:cNvSpPr txBox="1"/>
+              <p:nvPr/>
+            </p:nvSpPr>
+            <p:spPr>
+              <a:xfrm>
+                <a:off x="10766725" y="1736333"/>
+                <a:ext cx="369332" cy="3349375"/>
+              </a:xfrm>
+              <a:prstGeom prst="rect">
+                <a:avLst/>
+              </a:prstGeom>
+              <a:solidFill>
+                <a:schemeClr val="bg1">
+                  <a:lumMod val="85000"/>
+                </a:schemeClr>
+              </a:solidFill>
+            </p:spPr>
+            <p:txBody>
+              <a:bodyPr vert="vert270" wrap="square" numCol="1" rtlCol="0">
+                <a:spAutoFit/>
+              </a:bodyPr>
+              <a:lstStyle/>
+              <a:p>
+                <a:pPr algn="ctr"/>
+                <a:r>
+                  <a:rPr lang="en-US" sz="1200" b="1" dirty="0">
+                    <a:solidFill>
+                      <a:srgbClr val="FF991F"/>
+                    </a:solidFill>
+                    <a:latin typeface="Arial" panose="020B0604020202020204" pitchFamily="34" charset="0"/>
+                    <a:cs typeface="Arial" panose="020B0604020202020204" pitchFamily="34" charset="0"/>
+                  </a:rPr>
+                  <a:t> </a:t>
+                </a:r>
+                <a14:m>
+                  <m:oMath xmlns:m="http://schemas.openxmlformats.org/officeDocument/2006/math">
+                    <m:r>
+                      <a:rPr lang="en-US" sz="1200" b="1" i="1">
+                        <a:solidFill>
+                          <a:srgbClr val="FF991F"/>
+                        </a:solidFill>
+                        <a:latin typeface="Cambria Math" panose="02040503050406030204" pitchFamily="18" charset="0"/>
+                        <a:ea typeface="Cambria Math" panose="02040503050406030204" pitchFamily="18" charset="0"/>
+                        <a:cs typeface="Arial" panose="020B0604020202020204" pitchFamily="34" charset="0"/>
+                      </a:rPr>
+                      <m:t>⨂</m:t>
+                    </m:r>
+                  </m:oMath>
+                </a14:m>
+                <a:r>
+                  <a:rPr lang="en-GB" sz="1200" b="1" dirty="0">
+                    <a:solidFill>
+                      <a:srgbClr val="FF991F"/>
+                    </a:solidFill>
+                    <a:latin typeface="Arial" panose="020B0604020202020204" pitchFamily="34" charset="0"/>
+                    <a:cs typeface="Arial" panose="020B0604020202020204" pitchFamily="34" charset="0"/>
+                  </a:rPr>
+                  <a:t> </a:t>
+                </a:r>
+                <a:r>
+                  <a:rPr lang="en-US" sz="1200" b="1" dirty="0">
+                    <a:latin typeface="Arial" panose="020B0604020202020204" pitchFamily="34" charset="0"/>
+                    <a:cs typeface="Arial" panose="020B0604020202020204" pitchFamily="34" charset="0"/>
+                  </a:rPr>
+                  <a:t>DEC. 15</a:t>
+                </a:r>
+                <a:r>
+                  <a:rPr lang="en-US" sz="1200" b="1" baseline="30000" dirty="0">
+                    <a:latin typeface="Arial" panose="020B0604020202020204" pitchFamily="34" charset="0"/>
+                    <a:cs typeface="Arial" panose="020B0604020202020204" pitchFamily="34" charset="0"/>
+                  </a:rPr>
+                  <a:t>th</a:t>
+                </a:r>
+                <a:r>
+                  <a:rPr lang="en-US" sz="1200" b="1" dirty="0">
+                    <a:latin typeface="Arial" panose="020B0604020202020204" pitchFamily="34" charset="0"/>
+                    <a:cs typeface="Arial" panose="020B0604020202020204" pitchFamily="34" charset="0"/>
+                  </a:rPr>
+                  <a:t> or 16</a:t>
+                </a:r>
+                <a:r>
+                  <a:rPr lang="en-US" sz="1200" b="1" baseline="30000" dirty="0">
+                    <a:latin typeface="Arial" panose="020B0604020202020204" pitchFamily="34" charset="0"/>
+                    <a:cs typeface="Arial" panose="020B0604020202020204" pitchFamily="34" charset="0"/>
+                  </a:rPr>
+                  <a:t>th</a:t>
+                </a:r>
+                <a:r>
+                  <a:rPr lang="en-US" sz="1200" b="1" dirty="0">
+                    <a:solidFill>
+                      <a:srgbClr val="FF991F"/>
+                    </a:solidFill>
+                    <a:latin typeface="Arial" panose="020B0604020202020204" pitchFamily="34" charset="0"/>
+                    <a:cs typeface="Arial" panose="020B0604020202020204" pitchFamily="34" charset="0"/>
+                  </a:rPr>
+                  <a:t> </a:t>
+                </a:r>
+                <a14:m>
+                  <m:oMath xmlns:m="http://schemas.openxmlformats.org/officeDocument/2006/math">
+                    <m:r>
+                      <a:rPr lang="en-US" sz="1200" b="1" i="1" smtClean="0">
+                        <a:solidFill>
+                          <a:srgbClr val="FF991F"/>
+                        </a:solidFill>
+                        <a:latin typeface="Cambria Math" panose="02040503050406030204" pitchFamily="18" charset="0"/>
+                        <a:ea typeface="Cambria Math" panose="02040503050406030204" pitchFamily="18" charset="0"/>
+                        <a:cs typeface="Arial" panose="020B0604020202020204" pitchFamily="34" charset="0"/>
+                      </a:rPr>
+                      <m:t>⨂</m:t>
+                    </m:r>
+                  </m:oMath>
+                </a14:m>
+                <a:r>
+                  <a:rPr lang="en-GB" sz="1200" b="1" dirty="0">
+                    <a:solidFill>
+                      <a:srgbClr val="FF991F"/>
+                    </a:solidFill>
+                    <a:latin typeface="Arial" panose="020B0604020202020204" pitchFamily="34" charset="0"/>
+                    <a:cs typeface="Arial" panose="020B0604020202020204" pitchFamily="34" charset="0"/>
+                  </a:rPr>
+                  <a:t> </a:t>
+                </a:r>
+                <a:r>
+                  <a:rPr lang="en-US" sz="1200" b="1" dirty="0">
+                    <a:solidFill>
+                      <a:srgbClr val="FF991F"/>
+                    </a:solidFill>
+                    <a:latin typeface="Arial" panose="020B0604020202020204" pitchFamily="34" charset="0"/>
+                    <a:cs typeface="Arial" panose="020B0604020202020204" pitchFamily="34" charset="0"/>
+                  </a:rPr>
+                  <a:t> </a:t>
+                </a:r>
+                <a:r>
+                  <a:rPr lang="en-US" sz="1200" b="1" dirty="0">
+                    <a:latin typeface="Arial" panose="020B0604020202020204" pitchFamily="34" charset="0"/>
+                    <a:cs typeface="Arial" panose="020B0604020202020204" pitchFamily="34" charset="0"/>
+                  </a:rPr>
+                  <a:t>NEW ORLEANS, US</a:t>
+                </a:r>
+              </a:p>
+            </p:txBody>
+          </p:sp>
+        </mc:Choice>
+        <mc:Fallback>
+          <p:sp>
+            <p:nvSpPr>
+              <p:cNvPr id="8" name="TextBox 7">
+                <a:extLst>
+                  <a:ext uri="{FF2B5EF4-FFF2-40B4-BE49-F238E27FC236}">
+                    <a16:creationId xmlns:a16="http://schemas.microsoft.com/office/drawing/2014/main" id="{EDAC2AC4-7594-9D6A-BD84-3955741D2213}"/>
+                  </a:ext>
+                </a:extLst>
+              </p:cNvPr>
+              <p:cNvSpPr txBox="1">
+                <a:spLocks noRot="1" noChangeAspect="1" noMove="1" noResize="1" noEditPoints="1" noAdjustHandles="1" noChangeArrowheads="1" noChangeShapeType="1" noTextEdit="1"/>
+              </p:cNvSpPr>
+              <p:nvPr/>
+            </p:nvSpPr>
+            <p:spPr>
+              <a:xfrm>
+                <a:off x="10766725" y="1736333"/>
+                <a:ext cx="369332" cy="3349375"/>
+              </a:xfrm>
+              <a:prstGeom prst="rect">
+                <a:avLst/>
+              </a:prstGeom>
+              <a:blipFill>
+                <a:blip r:embed="rId2"/>
+                <a:stretch>
+                  <a:fillRect r="-3333"/>
+                </a:stretch>
+              </a:blipFill>
+            </p:spPr>
+            <p:txBody>
+              <a:bodyPr/>
+              <a:lstStyle/>
+              <a:p>
+                <a:r>
+                  <a:rPr lang="en-DE">
+                    <a:noFill/>
+                  </a:rPr>
+                  <a:t> </a:t>
+                </a:r>
+              </a:p>
+            </p:txBody>
+          </p:sp>
+        </mc:Fallback>
+      </mc:AlternateContent>
+      <p:sp>
+        <p:nvSpPr>
+          <p:cNvPr id="9" name="Rectangle 8">
+            <a:extLst>
+              <a:ext uri="{FF2B5EF4-FFF2-40B4-BE49-F238E27FC236}">
+                <a16:creationId xmlns:a16="http://schemas.microsoft.com/office/drawing/2014/main" id="{5603900A-DD21-12CD-2D26-6EEFFE58F3D5}"/>
+              </a:ext>
+            </a:extLst>
+          </p:cNvPr>
+          <p:cNvSpPr/>
+          <p:nvPr/>
+        </p:nvSpPr>
+        <p:spPr>
+          <a:xfrm>
+            <a:off x="1035485" y="1736333"/>
+            <a:ext cx="10121032" cy="3349375"/>
+          </a:xfrm>
+          <a:prstGeom prst="rect">
+            <a:avLst/>
+          </a:prstGeom>
+          <a:noFill/>
+          <a:ln w="38100">
+            <a:solidFill>
+              <a:schemeClr val="tx1"/>
+            </a:solidFill>
+          </a:ln>
+        </p:spPr>
+        <p:style>
+          <a:lnRef idx="2">
+            <a:schemeClr val="accent1">
+              <a:shade val="15000"/>
+            </a:schemeClr>
+          </a:lnRef>
+          <a:fillRef idx="1">
+            <a:schemeClr val="accent1"/>
+          </a:fillRef>
+          <a:effectRef idx="0">
+            <a:schemeClr val="accent1"/>
+          </a:effectRef>
+          <a:fontRef idx="minor">
+            <a:schemeClr val="lt1"/>
+          </a:fontRef>
+        </p:style>
+        <p:txBody>
+          <a:bodyPr rtlCol="0" anchor="ctr"/>
+          <a:lstStyle/>
+          <a:p>
+            <a:pPr algn="ctr"/>
+            <a:endParaRPr lang="en-DE" dirty="0"/>
+          </a:p>
+        </p:txBody>
+      </p:sp>
+      <p:sp>
+        <p:nvSpPr>
+          <p:cNvPr id="4" name="TextBox 3">
+            <a:extLst>
+              <a:ext uri="{FF2B5EF4-FFF2-40B4-BE49-F238E27FC236}">
+                <a16:creationId xmlns:a16="http://schemas.microsoft.com/office/drawing/2014/main" id="{A1084263-D1C4-2EE6-1867-773AD9F057CD}"/>
+              </a:ext>
+            </a:extLst>
+          </p:cNvPr>
+          <p:cNvSpPr txBox="1"/>
+          <p:nvPr/>
+        </p:nvSpPr>
+        <p:spPr>
+          <a:xfrm>
+            <a:off x="7074696" y="1831365"/>
+            <a:ext cx="2567836" cy="3524042"/>
+          </a:xfrm>
+          <a:prstGeom prst="rect">
+            <a:avLst/>
+          </a:prstGeom>
+          <a:noFill/>
+        </p:spPr>
+        <p:txBody>
+          <a:bodyPr wrap="square" numCol="1" rtlCol="0">
+            <a:spAutoFit/>
+          </a:bodyPr>
+          <a:lstStyle/>
+          <a:p>
+            <a:r>
+              <a:rPr lang="en-DE" sz="4800" b="1" dirty="0">
+                <a:latin typeface="Arial" panose="020B0604020202020204" pitchFamily="34" charset="0"/>
+                <a:cs typeface="Arial" panose="020B0604020202020204" pitchFamily="34" charset="0"/>
+              </a:rPr>
+              <a:t>Gaze </a:t>
+            </a:r>
+          </a:p>
+          <a:p>
+            <a:r>
+              <a:rPr lang="en-DE" sz="4800" b="1" dirty="0">
+                <a:latin typeface="Arial" panose="020B0604020202020204" pitchFamily="34" charset="0"/>
+                <a:cs typeface="Arial" panose="020B0604020202020204" pitchFamily="34" charset="0"/>
+              </a:rPr>
+              <a:t>Meets </a:t>
+            </a:r>
+          </a:p>
+          <a:p>
+            <a:r>
+              <a:rPr lang="en-DE" sz="4800" b="1" dirty="0">
+                <a:latin typeface="Arial" panose="020B0604020202020204" pitchFamily="34" charset="0"/>
+                <a:cs typeface="Arial" panose="020B0604020202020204" pitchFamily="34" charset="0"/>
+              </a:rPr>
+              <a:t>ML </a:t>
+            </a:r>
+          </a:p>
+          <a:p>
+            <a:r>
+              <a:rPr lang="en-GB" sz="3200" b="1" dirty="0">
+                <a:solidFill>
+                  <a:srgbClr val="FF991F"/>
+                </a:solidFill>
+                <a:latin typeface="Arial" panose="020B0604020202020204" pitchFamily="34" charset="0"/>
+                <a:cs typeface="Arial" panose="020B0604020202020204" pitchFamily="34" charset="0"/>
+              </a:rPr>
+              <a:t>Workshop</a:t>
+            </a:r>
+          </a:p>
+          <a:p>
+            <a:r>
+              <a:rPr lang="en-GB" sz="2000" b="1" dirty="0">
+                <a:latin typeface="Arial" panose="020B0604020202020204" pitchFamily="34" charset="0"/>
+                <a:cs typeface="Arial" panose="020B0604020202020204" pitchFamily="34" charset="0"/>
+              </a:rPr>
+              <a:t>@ </a:t>
+            </a:r>
+            <a:r>
+              <a:rPr lang="en-GB" sz="2000" b="1" dirty="0" err="1">
+                <a:latin typeface="Arial" panose="020B0604020202020204" pitchFamily="34" charset="0"/>
+                <a:cs typeface="Arial" panose="020B0604020202020204" pitchFamily="34" charset="0"/>
+              </a:rPr>
+              <a:t>NeurIPS</a:t>
+            </a:r>
+            <a:r>
+              <a:rPr lang="en-GB" sz="2000" b="1" dirty="0">
+                <a:latin typeface="Arial" panose="020B0604020202020204" pitchFamily="34" charset="0"/>
+                <a:cs typeface="Arial" panose="020B0604020202020204" pitchFamily="34" charset="0"/>
+              </a:rPr>
+              <a:t> 2023 </a:t>
+            </a:r>
+            <a:endParaRPr lang="en-DE" sz="2000" b="1" dirty="0">
+              <a:latin typeface="Arial" panose="020B0604020202020204" pitchFamily="34" charset="0"/>
+              <a:cs typeface="Arial" panose="020B0604020202020204" pitchFamily="34" charset="0"/>
+            </a:endParaRPr>
+          </a:p>
+          <a:p>
+            <a:endParaRPr lang="en-GB" sz="2000" dirty="0">
+              <a:solidFill>
+                <a:srgbClr val="1B4998"/>
+              </a:solidFill>
+              <a:latin typeface="Arial" panose="020B0604020202020204" pitchFamily="34" charset="0"/>
+              <a:cs typeface="Arial" panose="020B0604020202020204" pitchFamily="34" charset="0"/>
+            </a:endParaRPr>
+          </a:p>
+        </p:txBody>
+      </p:sp>
+      <p:pic>
+        <p:nvPicPr>
+          <p:cNvPr id="2" name="Picture 1" descr="A screen shot of a video game&#10;&#10;Description automatically generated">
+            <a:extLst>
+              <a:ext uri="{FF2B5EF4-FFF2-40B4-BE49-F238E27FC236}">
+                <a16:creationId xmlns:a16="http://schemas.microsoft.com/office/drawing/2014/main" id="{B0A3F8B9-669B-B3E1-7FBD-65AB8CDBB17F}"/>
+              </a:ext>
+            </a:extLst>
+          </p:cNvPr>
+          <p:cNvPicPr>
+            <a:picLocks noChangeAspect="1"/>
+          </p:cNvPicPr>
+          <p:nvPr/>
+        </p:nvPicPr>
+        <p:blipFill>
+          <a:blip r:embed="rId3"/>
+          <a:stretch>
+            <a:fillRect/>
+          </a:stretch>
+        </p:blipFill>
+        <p:spPr>
+          <a:xfrm>
+            <a:off x="1988296" y="2051137"/>
+            <a:ext cx="4133589" cy="2755726"/>
+          </a:xfrm>
+          <a:prstGeom prst="rect">
+            <a:avLst/>
+          </a:prstGeom>
+        </p:spPr>
+      </p:pic>
+    </p:spTree>
+    <p:extLst>
+      <p:ext uri="{BB962C8B-B14F-4D97-AF65-F5344CB8AC3E}">
+        <p14:creationId xmlns:p14="http://schemas.microsoft.com/office/powerpoint/2010/main" val="3327784943"/>
+      </p:ext>
+    </p:extLst>
+  </p:cSld>
+  <p:clrMapOvr>
+    <a:masterClrMapping/>
+  </p:clrMapOvr>
+</p:sld>
+</file>
+
+<file path=ppt/slides/slide8.xml><?xml version="1.0" encoding="utf-8"?>
 <p:sld xmlns:a="http://schemas.openxmlformats.org/drawingml/2006/main" xmlns:r="http://schemas.openxmlformats.org/officeDocument/2006/relationships" xmlns:p="http://schemas.openxmlformats.org/presentationml/2006/main">
   <p:cSld>
     <p:spTree>
@@ -4721,10 +5365,10 @@
       </p:grpSpPr>
       <p:pic>
         <p:nvPicPr>
-          <p:cNvPr id="21" name="Picture 20">
-            <a:extLst>
-              <a:ext uri="{FF2B5EF4-FFF2-40B4-BE49-F238E27FC236}">
-                <a16:creationId xmlns:a16="http://schemas.microsoft.com/office/drawing/2014/main" id="{EA6D0B6F-23CD-1413-D471-C39866D7841C}"/>
+          <p:cNvPr id="6" name="Picture 5">
+            <a:extLst>
+              <a:ext uri="{FF2B5EF4-FFF2-40B4-BE49-F238E27FC236}">
+                <a16:creationId xmlns:a16="http://schemas.microsoft.com/office/drawing/2014/main" id="{57828879-1C9A-58A5-4BB8-AF63C3027B3F}"/>
               </a:ext>
             </a:extLst>
           </p:cNvPr>
@@ -4741,8 +5385,8 @@
         </p:blipFill>
         <p:spPr>
           <a:xfrm>
-            <a:off x="2209800" y="1512584"/>
-            <a:ext cx="7772400" cy="3832831"/>
+            <a:off x="2209800" y="2023353"/>
+            <a:ext cx="7772400" cy="2811293"/>
           </a:xfrm>
           <a:prstGeom prst="rect">
             <a:avLst/>
